--- a/slides/12-evaluation.pptx
+++ b/slides/12-evaluation.pptx
@@ -242,7 +242,7 @@
           <a:p>
             <a:fld id="{3CBB8A52-8AC5-C74C-97FB-632C448F3674}" type="datetimeFigureOut">
               <a:rPr lang="en-US" smtClean="0"/>
-              <a:t>11/12/24</a:t>
+              <a:t>11/14/24</a:t>
             </a:fld>
             <a:endParaRPr lang="en-US"/>
           </a:p>
@@ -1388,7 +1388,7 @@
             <a:fld id="{5586B75A-687E-405C-8A0B-8D00578BA2C3}" type="datetimeFigureOut">
               <a:rPr lang="en-US" smtClean="0"/>
               <a:pPr/>
-              <a:t>11/12/24</a:t>
+              <a:t>11/14/24</a:t>
             </a:fld>
             <a:endParaRPr lang="en-US" dirty="0"/>
           </a:p>
@@ -1560,7 +1560,7 @@
             <a:fld id="{5586B75A-687E-405C-8A0B-8D00578BA2C3}" type="datetimeFigureOut">
               <a:rPr lang="en-US" smtClean="0"/>
               <a:pPr/>
-              <a:t>11/12/24</a:t>
+              <a:t>11/14/24</a:t>
             </a:fld>
             <a:endParaRPr lang="en-US" dirty="0"/>
           </a:p>
@@ -1742,7 +1742,7 @@
             <a:fld id="{5586B75A-687E-405C-8A0B-8D00578BA2C3}" type="datetimeFigureOut">
               <a:rPr lang="en-US" smtClean="0"/>
               <a:pPr/>
-              <a:t>11/12/24</a:t>
+              <a:t>11/14/24</a:t>
             </a:fld>
             <a:endParaRPr lang="en-US" dirty="0"/>
           </a:p>
@@ -1955,7 +1955,7 @@
           <a:p>
             <a:fld id="{1D8BD707-D9CF-40AE-B4C6-C98DA3205C09}" type="datetimeFigureOut">
               <a:rPr lang="en-US"/>
-              <a:t>11/12/24</a:t>
+              <a:t>11/14/24</a:t>
             </a:fld>
             <a:endParaRPr lang="en-US"/>
           </a:p>
@@ -2116,7 +2116,7 @@
             <a:fld id="{5586B75A-687E-405C-8A0B-8D00578BA2C3}" type="datetimeFigureOut">
               <a:rPr lang="en-US" smtClean="0"/>
               <a:pPr/>
-              <a:t>11/12/24</a:t>
+              <a:t>11/14/24</a:t>
             </a:fld>
             <a:endParaRPr lang="en-US" dirty="0"/>
           </a:p>
@@ -2372,7 +2372,7 @@
             <a:fld id="{5586B75A-687E-405C-8A0B-8D00578BA2C3}" type="datetimeFigureOut">
               <a:rPr lang="en-US" smtClean="0"/>
               <a:pPr/>
-              <a:t>11/12/24</a:t>
+              <a:t>11/14/24</a:t>
             </a:fld>
             <a:endParaRPr lang="en-US" dirty="0"/>
           </a:p>
@@ -2662,7 +2662,7 @@
             <a:fld id="{5586B75A-687E-405C-8A0B-8D00578BA2C3}" type="datetimeFigureOut">
               <a:rPr lang="en-US" smtClean="0"/>
               <a:pPr/>
-              <a:t>11/12/24</a:t>
+              <a:t>11/14/24</a:t>
             </a:fld>
             <a:endParaRPr lang="en-US" dirty="0"/>
           </a:p>
@@ -3106,7 +3106,7 @@
             <a:fld id="{5586B75A-687E-405C-8A0B-8D00578BA2C3}" type="datetimeFigureOut">
               <a:rPr lang="en-US" smtClean="0"/>
               <a:pPr/>
-              <a:t>11/12/24</a:t>
+              <a:t>11/14/24</a:t>
             </a:fld>
             <a:endParaRPr lang="en-US" dirty="0"/>
           </a:p>
@@ -3226,7 +3226,7 @@
             <a:fld id="{5586B75A-687E-405C-8A0B-8D00578BA2C3}" type="datetimeFigureOut">
               <a:rPr lang="en-US" smtClean="0"/>
               <a:pPr/>
-              <a:t>11/12/24</a:t>
+              <a:t>11/14/24</a:t>
             </a:fld>
             <a:endParaRPr lang="en-US" dirty="0"/>
           </a:p>
@@ -3323,7 +3323,7 @@
             <a:fld id="{5586B75A-687E-405C-8A0B-8D00578BA2C3}" type="datetimeFigureOut">
               <a:rPr lang="en-US" smtClean="0"/>
               <a:pPr/>
-              <a:t>11/12/24</a:t>
+              <a:t>11/14/24</a:t>
             </a:fld>
             <a:endParaRPr lang="en-US" dirty="0"/>
           </a:p>
@@ -3613,7 +3613,7 @@
             <a:fld id="{5586B75A-687E-405C-8A0B-8D00578BA2C3}" type="datetimeFigureOut">
               <a:rPr lang="en-US" smtClean="0"/>
               <a:pPr/>
-              <a:t>11/12/24</a:t>
+              <a:t>11/14/24</a:t>
             </a:fld>
             <a:endParaRPr lang="en-US" dirty="0"/>
           </a:p>
@@ -3888,7 +3888,7 @@
             <a:fld id="{5586B75A-687E-405C-8A0B-8D00578BA2C3}" type="datetimeFigureOut">
               <a:rPr lang="en-US" smtClean="0"/>
               <a:pPr/>
-              <a:t>11/12/24</a:t>
+              <a:t>11/14/24</a:t>
             </a:fld>
             <a:endParaRPr lang="en-US" dirty="0"/>
           </a:p>
@@ -4187,7 +4187,7 @@
             <a:fld id="{5586B75A-687E-405C-8A0B-8D00578BA2C3}" type="datetimeFigureOut">
               <a:rPr lang="en-US" smtClean="0"/>
               <a:pPr/>
-              <a:t>11/12/24</a:t>
+              <a:t>11/14/24</a:t>
             </a:fld>
             <a:endParaRPr lang="en-US" dirty="0"/>
           </a:p>
@@ -16900,6 +16900,59 @@
                 <a:cs typeface="Arial"/>
               </a:rPr>
               <a:t>Any questions? </a:t>
+            </a:r>
+          </a:p>
+          <a:p>
+            <a:pPr marL="355600" indent="-342900">
+              <a:lnSpc>
+                <a:spcPct val="100000"/>
+              </a:lnSpc>
+              <a:spcBef>
+                <a:spcPts val="1225"/>
+              </a:spcBef>
+              <a:buClr>
+                <a:schemeClr val="tx1">
+                  <a:lumMod val="75000"/>
+                  <a:lumOff val="25000"/>
+                </a:schemeClr>
+              </a:buClr>
+              <a:buSzPct val="80000"/>
+              <a:buFont typeface="Arial" panose="020B0604020202020204" pitchFamily="34" charset="0"/>
+              <a:buChar char="•"/>
+              <a:tabLst>
+                <a:tab pos="194310" algn="l"/>
+              </a:tabLst>
+            </a:pPr>
+            <a:endParaRPr lang="en-US" sz="2400" dirty="0">
+              <a:cs typeface="Arial"/>
+            </a:endParaRPr>
+          </a:p>
+          <a:p>
+            <a:pPr marL="355600" indent="-342900">
+              <a:lnSpc>
+                <a:spcPct val="100000"/>
+              </a:lnSpc>
+              <a:spcBef>
+                <a:spcPts val="1225"/>
+              </a:spcBef>
+              <a:buClr>
+                <a:schemeClr val="tx1">
+                  <a:lumMod val="75000"/>
+                  <a:lumOff val="25000"/>
+                </a:schemeClr>
+              </a:buClr>
+              <a:buSzPct val="80000"/>
+              <a:buFont typeface="Arial" panose="020B0604020202020204" pitchFamily="34" charset="0"/>
+              <a:buChar char="•"/>
+              <a:tabLst>
+                <a:tab pos="194310" algn="l"/>
+              </a:tabLst>
+            </a:pPr>
+            <a:r>
+              <a:rPr lang="en-US" sz="2400" dirty="0">
+                <a:cs typeface="Arial"/>
+              </a:rPr>
+              <a:t>Reminder: Paper prototype testing in class next week! </a:t>
             </a:r>
           </a:p>
         </p:txBody>
